--- a/ProjectPresentation.pptx
+++ b/ProjectPresentation.pptx
@@ -374,7 +374,7 @@
             <a:fld id="{B61BEF0D-F0BB-DE4B-95CE-6DB70DBA9567}" type="datetimeFigureOut">
               <a:rPr lang="en-US" dirty="0"/>
               <a:pPr/>
-              <a:t>12/8/2020</a:t>
+              <a:t>12/16/2020</a:t>
             </a:fld>
             <a:endParaRPr lang="en-US" dirty="0"/>
           </a:p>
@@ -705,7 +705,7 @@
             <a:fld id="{B61BEF0D-F0BB-DE4B-95CE-6DB70DBA9567}" type="datetimeFigureOut">
               <a:rPr lang="en-US" dirty="0"/>
               <a:pPr/>
-              <a:t>12/8/2020</a:t>
+              <a:t>12/16/2020</a:t>
             </a:fld>
             <a:endParaRPr lang="en-US" dirty="0"/>
           </a:p>
@@ -980,7 +980,7 @@
             <a:fld id="{B61BEF0D-F0BB-DE4B-95CE-6DB70DBA9567}" type="datetimeFigureOut">
               <a:rPr lang="en-US" dirty="0"/>
               <a:pPr/>
-              <a:t>12/8/2020</a:t>
+              <a:t>12/16/2020</a:t>
             </a:fld>
             <a:endParaRPr lang="en-US" dirty="0"/>
           </a:p>
@@ -1545,7 +1545,7 @@
             <a:fld id="{B61BEF0D-F0BB-DE4B-95CE-6DB70DBA9567}" type="datetimeFigureOut">
               <a:rPr lang="en-US" dirty="0"/>
               <a:pPr/>
-              <a:t>12/8/2020</a:t>
+              <a:t>12/16/2020</a:t>
             </a:fld>
             <a:endParaRPr lang="en-US" dirty="0"/>
           </a:p>
@@ -1820,7 +1820,7 @@
             <a:fld id="{B61BEF0D-F0BB-DE4B-95CE-6DB70DBA9567}" type="datetimeFigureOut">
               <a:rPr lang="en-US" dirty="0"/>
               <a:pPr/>
-              <a:t>12/8/2020</a:t>
+              <a:t>12/16/2020</a:t>
             </a:fld>
             <a:endParaRPr lang="en-US" dirty="0"/>
           </a:p>
@@ -2379,7 +2379,7 @@
             <a:fld id="{B61BEF0D-F0BB-DE4B-95CE-6DB70DBA9567}" type="datetimeFigureOut">
               <a:rPr lang="en-US" dirty="0"/>
               <a:pPr/>
-              <a:t>12/8/2020</a:t>
+              <a:t>12/16/2020</a:t>
             </a:fld>
             <a:endParaRPr lang="en-US" dirty="0"/>
           </a:p>
@@ -2703,7 +2703,7 @@
             <a:fld id="{B61BEF0D-F0BB-DE4B-95CE-6DB70DBA9567}" type="datetimeFigureOut">
               <a:rPr lang="en-US" dirty="0"/>
               <a:pPr/>
-              <a:t>12/8/2020</a:t>
+              <a:t>12/16/2020</a:t>
             </a:fld>
             <a:endParaRPr lang="en-US" dirty="0"/>
           </a:p>
@@ -2877,7 +2877,7 @@
             <a:fld id="{B61BEF0D-F0BB-DE4B-95CE-6DB70DBA9567}" type="datetimeFigureOut">
               <a:rPr lang="en-US" dirty="0"/>
               <a:pPr/>
-              <a:t>12/8/2020</a:t>
+              <a:t>12/16/2020</a:t>
             </a:fld>
             <a:endParaRPr lang="en-US" dirty="0"/>
           </a:p>
@@ -3112,7 +3112,7 @@
             <a:fld id="{B61BEF0D-F0BB-DE4B-95CE-6DB70DBA9567}" type="datetimeFigureOut">
               <a:rPr lang="en-US" dirty="0"/>
               <a:pPr/>
-              <a:t>12/8/2020</a:t>
+              <a:t>12/16/2020</a:t>
             </a:fld>
             <a:endParaRPr lang="en-US" dirty="0"/>
           </a:p>
@@ -3309,7 +3309,7 @@
             <a:fld id="{B61BEF0D-F0BB-DE4B-95CE-6DB70DBA9567}" type="datetimeFigureOut">
               <a:rPr lang="en-US" dirty="0"/>
               <a:pPr/>
-              <a:t>12/8/2020</a:t>
+              <a:t>12/16/2020</a:t>
             </a:fld>
             <a:endParaRPr lang="en-US" dirty="0"/>
           </a:p>
@@ -3582,7 +3582,7 @@
             <a:fld id="{B61BEF0D-F0BB-DE4B-95CE-6DB70DBA9567}" type="datetimeFigureOut">
               <a:rPr lang="en-US" dirty="0"/>
               <a:pPr/>
-              <a:t>12/8/2020</a:t>
+              <a:t>12/16/2020</a:t>
             </a:fld>
             <a:endParaRPr lang="en-US" dirty="0"/>
           </a:p>
@@ -3845,7 +3845,7 @@
             <a:fld id="{B61BEF0D-F0BB-DE4B-95CE-6DB70DBA9567}" type="datetimeFigureOut">
               <a:rPr lang="en-US" dirty="0"/>
               <a:pPr/>
-              <a:t>12/8/2020</a:t>
+              <a:t>12/16/2020</a:t>
             </a:fld>
             <a:endParaRPr lang="en-US" dirty="0"/>
           </a:p>
@@ -4216,7 +4216,7 @@
             <a:fld id="{B61BEF0D-F0BB-DE4B-95CE-6DB70DBA9567}" type="datetimeFigureOut">
               <a:rPr lang="en-US" dirty="0"/>
               <a:pPr/>
-              <a:t>12/8/2020</a:t>
+              <a:t>12/16/2020</a:t>
             </a:fld>
             <a:endParaRPr lang="en-US" dirty="0"/>
           </a:p>
@@ -4361,7 +4361,7 @@
             <a:fld id="{B61BEF0D-F0BB-DE4B-95CE-6DB70DBA9567}" type="datetimeFigureOut">
               <a:rPr lang="en-US" dirty="0"/>
               <a:pPr/>
-              <a:t>12/8/2020</a:t>
+              <a:t>12/16/2020</a:t>
             </a:fld>
             <a:endParaRPr lang="en-US" dirty="0"/>
           </a:p>
@@ -4483,7 +4483,7 @@
             <a:fld id="{B61BEF0D-F0BB-DE4B-95CE-6DB70DBA9567}" type="datetimeFigureOut">
               <a:rPr lang="en-US" dirty="0"/>
               <a:pPr/>
-              <a:t>12/8/2020</a:t>
+              <a:t>12/16/2020</a:t>
             </a:fld>
             <a:endParaRPr lang="en-US" dirty="0"/>
           </a:p>
@@ -4765,7 +4765,7 @@
             <a:fld id="{B61BEF0D-F0BB-DE4B-95CE-6DB70DBA9567}" type="datetimeFigureOut">
               <a:rPr lang="en-US" dirty="0"/>
               <a:pPr/>
-              <a:t>12/8/2020</a:t>
+              <a:t>12/16/2020</a:t>
             </a:fld>
             <a:endParaRPr lang="en-US" dirty="0"/>
           </a:p>
@@ -5086,7 +5086,7 @@
             <a:fld id="{B61BEF0D-F0BB-DE4B-95CE-6DB70DBA9567}" type="datetimeFigureOut">
               <a:rPr lang="en-US" dirty="0"/>
               <a:pPr/>
-              <a:t>12/8/2020</a:t>
+              <a:t>12/16/2020</a:t>
             </a:fld>
             <a:endParaRPr lang="en-US" dirty="0"/>
           </a:p>
@@ -5297,7 +5297,7 @@
             <a:fld id="{B61BEF0D-F0BB-DE4B-95CE-6DB70DBA9567}" type="datetimeFigureOut">
               <a:rPr lang="en-US" dirty="0"/>
               <a:pPr/>
-              <a:t>12/8/2020</a:t>
+              <a:t>12/16/2020</a:t>
             </a:fld>
             <a:endParaRPr lang="en-US" dirty="0"/>
           </a:p>
@@ -6499,13 +6499,13 @@
         </p:nvSpPr>
         <p:spPr>
           <a:xfrm>
-            <a:off x="685800" y="2065867"/>
-            <a:ext cx="10131425" cy="1142554"/>
+            <a:off x="685800" y="2065866"/>
+            <a:ext cx="10131425" cy="2271241"/>
           </a:xfrm>
         </p:spPr>
         <p:txBody>
           <a:bodyPr>
-            <a:normAutofit fontScale="92500"/>
+            <a:normAutofit/>
           </a:bodyPr>
           <a:lstStyle/>
           <a:p>
@@ -6514,7 +6514,7 @@
                 <a:latin typeface="Yu Gothic UI" panose="020B0500000000000000" pitchFamily="34" charset="-128"/>
                 <a:ea typeface="Yu Gothic UI" panose="020B0500000000000000" pitchFamily="34" charset="-128"/>
               </a:rPr>
-              <a:t>We split the dataset in half, and we used the first part as a train set and the second one as a test set.</a:t>
+              <a:t>We split a part of the dataset in K parts, named folds</a:t>
             </a:r>
           </a:p>
           <a:p>
@@ -6523,7 +6523,25 @@
                 <a:latin typeface="Yu Gothic UI" panose="020B0500000000000000" pitchFamily="34" charset="-128"/>
                 <a:ea typeface="Yu Gothic UI" panose="020B0500000000000000" pitchFamily="34" charset="-128"/>
               </a:rPr>
-              <a:t>Each half contains about 40.000 samples.</a:t>
+              <a:t>We set K = 10</a:t>
+            </a:r>
+          </a:p>
+          <a:p>
+            <a:r>
+              <a:rPr lang="en-US" dirty="0">
+                <a:latin typeface="Yu Gothic UI" panose="020B0500000000000000" pitchFamily="34" charset="-128"/>
+                <a:ea typeface="Yu Gothic UI" panose="020B0500000000000000" pitchFamily="34" charset="-128"/>
+              </a:rPr>
+              <a:t>9 folds out of 10 are used for training the model, while the remaining one is used as validation set</a:t>
+            </a:r>
+          </a:p>
+          <a:p>
+            <a:r>
+              <a:rPr lang="en-US" dirty="0">
+                <a:latin typeface="Yu Gothic UI" panose="020B0500000000000000" pitchFamily="34" charset="-128"/>
+                <a:ea typeface="Yu Gothic UI" panose="020B0500000000000000" pitchFamily="34" charset="-128"/>
+              </a:rPr>
+              <a:t>The process is repeated K times, so that each fold is used as a validation set exactly once</a:t>
             </a:r>
           </a:p>
           <a:p>
@@ -6552,13 +6570,13 @@
           <p:nvPr>
             <p:extLst>
               <p:ext uri="{D42A27DB-BD31-4B8C-83A1-F6EECF244321}">
-                <p14:modId xmlns:p14="http://schemas.microsoft.com/office/powerpoint/2010/main" val="1904786209"/>
+                <p14:modId xmlns:p14="http://schemas.microsoft.com/office/powerpoint/2010/main" val="3826343561"/>
               </p:ext>
             </p:extLst>
           </p:nvPr>
         </p:nvGraphicFramePr>
         <p:xfrm>
-          <a:off x="1687512" y="3639094"/>
+          <a:off x="1687512" y="4528327"/>
           <a:ext cx="8128000" cy="1854200"/>
         </p:xfrm>
         <a:graphic>
@@ -6568,14 +6586,14 @@
                 <a:tableStyleId>{5C22544A-7EE6-4342-B048-85BDC9FD1C3A}</a:tableStyleId>
               </a:tblPr>
               <a:tblGrid>
-                <a:gridCol w="4064000">
+                <a:gridCol w="5107571">
                   <a:extLst>
                     <a:ext uri="{9D8B030D-6E8A-4147-A177-3AD203B41FA5}">
                       <a16:colId xmlns:a16="http://schemas.microsoft.com/office/drawing/2014/main" val="1829688021"/>
                     </a:ext>
                   </a:extLst>
                 </a:gridCol>
-                <a:gridCol w="4064000">
+                <a:gridCol w="3020429">
                   <a:extLst>
                     <a:ext uri="{9D8B030D-6E8A-4147-A177-3AD203B41FA5}">
                       <a16:colId xmlns:a16="http://schemas.microsoft.com/office/drawing/2014/main" val="2982764451"/>
@@ -7728,7 +7746,7 @@
           <p:nvPr>
             <p:extLst>
               <p:ext uri="{D42A27DB-BD31-4B8C-83A1-F6EECF244321}">
-                <p14:modId xmlns:p14="http://schemas.microsoft.com/office/powerpoint/2010/main" val="2159691519"/>
+                <p14:modId xmlns:p14="http://schemas.microsoft.com/office/powerpoint/2010/main" val="2752725138"/>
               </p:ext>
             </p:extLst>
           </p:nvPr>
@@ -7931,7 +7949,7 @@
                     <a:p>
                       <a:r>
                         <a:rPr lang="en-US" dirty="0"/>
-                        <a:t>22</a:t>
+                        <a:t>17</a:t>
                       </a:r>
                     </a:p>
                   </a:txBody>
@@ -7980,7 +7998,7 @@
                     <a:p>
                       <a:r>
                         <a:rPr lang="en-US" dirty="0"/>
-                        <a:t>28</a:t>
+                        <a:t>20</a:t>
                       </a:r>
                     </a:p>
                   </a:txBody>
@@ -10212,7 +10230,7 @@
                 <a:ea typeface="Yu Gothic UI" panose="020B0500000000000000" pitchFamily="34" charset="-128"/>
                 <a:cs typeface="Cavolini" panose="020B0502040204020203" pitchFamily="66" charset="0"/>
               </a:rPr>
-              <a:t>We Performed </a:t>
+              <a:t>We performed </a:t>
             </a:r>
             <a:r>
               <a:rPr lang="en-US" sz="2400" b="1" dirty="0">
@@ -10405,7 +10423,7 @@
                 <a:ea typeface="Yu Gothic UI" panose="020B0500000000000000" pitchFamily="34" charset="-128"/>
                 <a:cs typeface="Cavolini" panose="020B0502040204020203" pitchFamily="66" charset="0"/>
               </a:rPr>
-              <a:t>, using </a:t>
+              <a:t>, </a:t>
             </a:r>
             <a:r>
               <a:rPr lang="en-US" sz="2400" b="1" dirty="0">
@@ -12116,21 +12134,7 @@
                 <a:latin typeface="Yu Gothic UI" panose="020B0500000000000000" pitchFamily="34" charset="-128"/>
                 <a:ea typeface="Yu Gothic UI" panose="020B0500000000000000" pitchFamily="34" charset="-128"/>
               </a:rPr>
-              <a:t> the models  on a </a:t>
-            </a:r>
-            <a:r>
-              <a:rPr lang="it-IT" sz="2800" dirty="0" err="1">
-                <a:latin typeface="Yu Gothic UI" panose="020B0500000000000000" pitchFamily="34" charset="-128"/>
-                <a:ea typeface="Yu Gothic UI" panose="020B0500000000000000" pitchFamily="34" charset="-128"/>
-              </a:rPr>
-              <a:t>train</a:t>
-            </a:r>
-            <a:r>
-              <a:rPr lang="it-IT" sz="2800" dirty="0">
-                <a:latin typeface="Yu Gothic UI" panose="020B0500000000000000" pitchFamily="34" charset="-128"/>
-                <a:ea typeface="Yu Gothic UI" panose="020B0500000000000000" pitchFamily="34" charset="-128"/>
-              </a:rPr>
-              <a:t> set and </a:t>
+              <a:t> the models  on a training set and </a:t>
             </a:r>
             <a:r>
               <a:rPr lang="it-IT" sz="2800" dirty="0" err="1">
@@ -13584,7 +13588,7 @@
                 <a:latin typeface="Yu Gothic UI" panose="020B0500000000000000" pitchFamily="34" charset="-128"/>
                 <a:ea typeface="Yu Gothic UI" panose="020B0500000000000000" pitchFamily="34" charset="-128"/>
               </a:rPr>
-              <a:t> lines:</a:t>
+              <a:t> lines: 49.59%</a:t>
             </a:r>
           </a:p>
           <a:p>
@@ -13618,7 +13622,7 @@
                 <a:latin typeface="Yu Gothic UI" panose="020B0500000000000000" pitchFamily="34" charset="-128"/>
                 <a:ea typeface="Yu Gothic UI" panose="020B0500000000000000" pitchFamily="34" charset="-128"/>
               </a:rPr>
-              <a:t> lines:</a:t>
+              <a:t> lines: 50.41%</a:t>
             </a:r>
           </a:p>
           <a:p>
@@ -13627,7 +13631,7 @@
                 <a:latin typeface="Yu Gothic UI" panose="020B0500000000000000" pitchFamily="34" charset="-128"/>
                 <a:ea typeface="Yu Gothic UI" panose="020B0500000000000000" pitchFamily="34" charset="-128"/>
               </a:rPr>
-              <a:t>Mean and variance of the features, for both recommended and non-recommended train lines</a:t>
+              <a:t>Mean and variance of the features, for both approved and not-approved train lines</a:t>
             </a:r>
           </a:p>
           <a:p>
@@ -13733,65 +13737,770 @@
           <a:lstStyle/>
           <a:p>
             <a:r>
-              <a:rPr lang="it-IT">
-                <a:latin typeface="Yu Gothic UI" panose="020B0500000000000000" pitchFamily="34" charset="-128"/>
-                <a:ea typeface="Yu Gothic UI" panose="020B0500000000000000" pitchFamily="34" charset="-128"/>
-              </a:rPr>
-              <a:t>In order to obtain the synthetic data, we used a multivariate normal</a:t>
-            </a:r>
-          </a:p>
-          <a:p>
-            <a:r>
-              <a:rPr lang="it-IT">
-                <a:latin typeface="Yu Gothic UI" panose="020B0500000000000000" pitchFamily="34" charset="-128"/>
-                <a:ea typeface="Yu Gothic UI" panose="020B0500000000000000" pitchFamily="34" charset="-128"/>
-              </a:rPr>
-              <a:t>We used the mean and covariance of the real dataset, considering only two features.</a:t>
-            </a:r>
-          </a:p>
-          <a:p>
-            <a:r>
-              <a:rPr lang="it-IT">
-                <a:latin typeface="Yu Gothic UI" panose="020B0500000000000000" pitchFamily="34" charset="-128"/>
-                <a:ea typeface="Yu Gothic UI" panose="020B0500000000000000" pitchFamily="34" charset="-128"/>
-              </a:rPr>
-              <a:t>In such way, we were able to estimate the real dataset distribution</a:t>
-            </a:r>
-          </a:p>
-          <a:p>
-            <a:r>
-              <a:rPr lang="it-IT">
-                <a:latin typeface="Yu Gothic UI" panose="020B0500000000000000" pitchFamily="34" charset="-128"/>
-                <a:ea typeface="Yu Gothic UI" panose="020B0500000000000000" pitchFamily="34" charset="-128"/>
-              </a:rPr>
-              <a:t>Get in an approximated way if the features and independent or not</a:t>
-            </a:r>
-          </a:p>
-          <a:p>
-            <a:r>
-              <a:rPr lang="it-IT">
-                <a:latin typeface="Yu Gothic UI" panose="020B0500000000000000" pitchFamily="34" charset="-128"/>
-                <a:ea typeface="Yu Gothic UI" panose="020B0500000000000000" pitchFamily="34" charset="-128"/>
-              </a:rPr>
-              <a:t>The LEFT graph is obtained from the real data</a:t>
-            </a:r>
-          </a:p>
-          <a:p>
-            <a:r>
-              <a:rPr lang="it-IT">
-                <a:latin typeface="Yu Gothic UI" panose="020B0500000000000000" pitchFamily="34" charset="-128"/>
-                <a:ea typeface="Yu Gothic UI" panose="020B0500000000000000" pitchFamily="34" charset="-128"/>
-              </a:rPr>
-              <a:t>The RIGHT graph is obtained from the synthetic data, setting the covariances both to zero</a:t>
-            </a:r>
-          </a:p>
-          <a:p>
-            <a:r>
-              <a:rPr lang="it-IT">
-                <a:latin typeface="Yu Gothic UI" panose="020B0500000000000000" pitchFamily="34" charset="-128"/>
-                <a:ea typeface="Yu Gothic UI" panose="020B0500000000000000" pitchFamily="34" charset="-128"/>
-              </a:rPr>
-              <a:t>If the two graphs were more or less equal, we can conclude that the real covariance among those two features is also around zero, and so they are almost independent.</a:t>
+              <a:rPr lang="it-IT" dirty="0">
+                <a:latin typeface="Yu Gothic UI" panose="020B0500000000000000" pitchFamily="34" charset="-128"/>
+                <a:ea typeface="Yu Gothic UI" panose="020B0500000000000000" pitchFamily="34" charset="-128"/>
+              </a:rPr>
+              <a:t>In </a:t>
+            </a:r>
+            <a:r>
+              <a:rPr lang="it-IT" dirty="0" err="1">
+                <a:latin typeface="Yu Gothic UI" panose="020B0500000000000000" pitchFamily="34" charset="-128"/>
+                <a:ea typeface="Yu Gothic UI" panose="020B0500000000000000" pitchFamily="34" charset="-128"/>
+              </a:rPr>
+              <a:t>order</a:t>
+            </a:r>
+            <a:r>
+              <a:rPr lang="it-IT" dirty="0">
+                <a:latin typeface="Yu Gothic UI" panose="020B0500000000000000" pitchFamily="34" charset="-128"/>
+                <a:ea typeface="Yu Gothic UI" panose="020B0500000000000000" pitchFamily="34" charset="-128"/>
+              </a:rPr>
+              <a:t> to </a:t>
+            </a:r>
+            <a:r>
+              <a:rPr lang="it-IT" dirty="0" err="1">
+                <a:latin typeface="Yu Gothic UI" panose="020B0500000000000000" pitchFamily="34" charset="-128"/>
+                <a:ea typeface="Yu Gothic UI" panose="020B0500000000000000" pitchFamily="34" charset="-128"/>
+              </a:rPr>
+              <a:t>obtain</a:t>
+            </a:r>
+            <a:r>
+              <a:rPr lang="it-IT" dirty="0">
+                <a:latin typeface="Yu Gothic UI" panose="020B0500000000000000" pitchFamily="34" charset="-128"/>
+                <a:ea typeface="Yu Gothic UI" panose="020B0500000000000000" pitchFamily="34" charset="-128"/>
+              </a:rPr>
+              <a:t> the </a:t>
+            </a:r>
+            <a:r>
+              <a:rPr lang="it-IT" dirty="0" err="1">
+                <a:latin typeface="Yu Gothic UI" panose="020B0500000000000000" pitchFamily="34" charset="-128"/>
+                <a:ea typeface="Yu Gothic UI" panose="020B0500000000000000" pitchFamily="34" charset="-128"/>
+              </a:rPr>
+              <a:t>synthetic</a:t>
+            </a:r>
+            <a:r>
+              <a:rPr lang="it-IT" dirty="0">
+                <a:latin typeface="Yu Gothic UI" panose="020B0500000000000000" pitchFamily="34" charset="-128"/>
+                <a:ea typeface="Yu Gothic UI" panose="020B0500000000000000" pitchFamily="34" charset="-128"/>
+              </a:rPr>
+              <a:t> data, </a:t>
+            </a:r>
+            <a:r>
+              <a:rPr lang="it-IT" dirty="0" err="1">
+                <a:latin typeface="Yu Gothic UI" panose="020B0500000000000000" pitchFamily="34" charset="-128"/>
+                <a:ea typeface="Yu Gothic UI" panose="020B0500000000000000" pitchFamily="34" charset="-128"/>
+              </a:rPr>
+              <a:t>we</a:t>
+            </a:r>
+            <a:r>
+              <a:rPr lang="it-IT" dirty="0">
+                <a:latin typeface="Yu Gothic UI" panose="020B0500000000000000" pitchFamily="34" charset="-128"/>
+                <a:ea typeface="Yu Gothic UI" panose="020B0500000000000000" pitchFamily="34" charset="-128"/>
+              </a:rPr>
+              <a:t> </a:t>
+            </a:r>
+            <a:r>
+              <a:rPr lang="it-IT" dirty="0" err="1">
+                <a:latin typeface="Yu Gothic UI" panose="020B0500000000000000" pitchFamily="34" charset="-128"/>
+                <a:ea typeface="Yu Gothic UI" panose="020B0500000000000000" pitchFamily="34" charset="-128"/>
+              </a:rPr>
+              <a:t>used</a:t>
+            </a:r>
+            <a:r>
+              <a:rPr lang="it-IT" dirty="0">
+                <a:latin typeface="Yu Gothic UI" panose="020B0500000000000000" pitchFamily="34" charset="-128"/>
+                <a:ea typeface="Yu Gothic UI" panose="020B0500000000000000" pitchFamily="34" charset="-128"/>
+              </a:rPr>
+              <a:t> a multivariate </a:t>
+            </a:r>
+            <a:r>
+              <a:rPr lang="it-IT" dirty="0" err="1">
+                <a:latin typeface="Yu Gothic UI" panose="020B0500000000000000" pitchFamily="34" charset="-128"/>
+                <a:ea typeface="Yu Gothic UI" panose="020B0500000000000000" pitchFamily="34" charset="-128"/>
+              </a:rPr>
+              <a:t>normal</a:t>
+            </a:r>
+            <a:endParaRPr lang="it-IT" dirty="0">
+              <a:latin typeface="Yu Gothic UI" panose="020B0500000000000000" pitchFamily="34" charset="-128"/>
+              <a:ea typeface="Yu Gothic UI" panose="020B0500000000000000" pitchFamily="34" charset="-128"/>
+            </a:endParaRPr>
+          </a:p>
+          <a:p>
+            <a:r>
+              <a:rPr lang="it-IT" dirty="0" err="1">
+                <a:latin typeface="Yu Gothic UI" panose="020B0500000000000000" pitchFamily="34" charset="-128"/>
+                <a:ea typeface="Yu Gothic UI" panose="020B0500000000000000" pitchFamily="34" charset="-128"/>
+              </a:rPr>
+              <a:t>We</a:t>
+            </a:r>
+            <a:r>
+              <a:rPr lang="it-IT" dirty="0">
+                <a:latin typeface="Yu Gothic UI" panose="020B0500000000000000" pitchFamily="34" charset="-128"/>
+                <a:ea typeface="Yu Gothic UI" panose="020B0500000000000000" pitchFamily="34" charset="-128"/>
+              </a:rPr>
+              <a:t> </a:t>
+            </a:r>
+            <a:r>
+              <a:rPr lang="it-IT" dirty="0" err="1">
+                <a:latin typeface="Yu Gothic UI" panose="020B0500000000000000" pitchFamily="34" charset="-128"/>
+                <a:ea typeface="Yu Gothic UI" panose="020B0500000000000000" pitchFamily="34" charset="-128"/>
+              </a:rPr>
+              <a:t>used</a:t>
+            </a:r>
+            <a:r>
+              <a:rPr lang="it-IT" dirty="0">
+                <a:latin typeface="Yu Gothic UI" panose="020B0500000000000000" pitchFamily="34" charset="-128"/>
+                <a:ea typeface="Yu Gothic UI" panose="020B0500000000000000" pitchFamily="34" charset="-128"/>
+              </a:rPr>
+              <a:t> the </a:t>
+            </a:r>
+            <a:r>
+              <a:rPr lang="it-IT" dirty="0" err="1">
+                <a:latin typeface="Yu Gothic UI" panose="020B0500000000000000" pitchFamily="34" charset="-128"/>
+                <a:ea typeface="Yu Gothic UI" panose="020B0500000000000000" pitchFamily="34" charset="-128"/>
+              </a:rPr>
+              <a:t>mean</a:t>
+            </a:r>
+            <a:r>
+              <a:rPr lang="it-IT" dirty="0">
+                <a:latin typeface="Yu Gothic UI" panose="020B0500000000000000" pitchFamily="34" charset="-128"/>
+                <a:ea typeface="Yu Gothic UI" panose="020B0500000000000000" pitchFamily="34" charset="-128"/>
+              </a:rPr>
+              <a:t> and </a:t>
+            </a:r>
+            <a:r>
+              <a:rPr lang="it-IT" dirty="0" err="1">
+                <a:latin typeface="Yu Gothic UI" panose="020B0500000000000000" pitchFamily="34" charset="-128"/>
+                <a:ea typeface="Yu Gothic UI" panose="020B0500000000000000" pitchFamily="34" charset="-128"/>
+              </a:rPr>
+              <a:t>covariance</a:t>
+            </a:r>
+            <a:r>
+              <a:rPr lang="it-IT" dirty="0">
+                <a:latin typeface="Yu Gothic UI" panose="020B0500000000000000" pitchFamily="34" charset="-128"/>
+                <a:ea typeface="Yu Gothic UI" panose="020B0500000000000000" pitchFamily="34" charset="-128"/>
+              </a:rPr>
+              <a:t> of the </a:t>
+            </a:r>
+            <a:r>
+              <a:rPr lang="it-IT" dirty="0" err="1">
+                <a:latin typeface="Yu Gothic UI" panose="020B0500000000000000" pitchFamily="34" charset="-128"/>
+                <a:ea typeface="Yu Gothic UI" panose="020B0500000000000000" pitchFamily="34" charset="-128"/>
+              </a:rPr>
+              <a:t>real</a:t>
+            </a:r>
+            <a:r>
+              <a:rPr lang="it-IT" dirty="0">
+                <a:latin typeface="Yu Gothic UI" panose="020B0500000000000000" pitchFamily="34" charset="-128"/>
+                <a:ea typeface="Yu Gothic UI" panose="020B0500000000000000" pitchFamily="34" charset="-128"/>
+              </a:rPr>
+              <a:t> dataset, </a:t>
+            </a:r>
+            <a:r>
+              <a:rPr lang="it-IT" dirty="0" err="1">
+                <a:latin typeface="Yu Gothic UI" panose="020B0500000000000000" pitchFamily="34" charset="-128"/>
+                <a:ea typeface="Yu Gothic UI" panose="020B0500000000000000" pitchFamily="34" charset="-128"/>
+              </a:rPr>
+              <a:t>considering</a:t>
+            </a:r>
+            <a:r>
+              <a:rPr lang="it-IT" dirty="0">
+                <a:latin typeface="Yu Gothic UI" panose="020B0500000000000000" pitchFamily="34" charset="-128"/>
+                <a:ea typeface="Yu Gothic UI" panose="020B0500000000000000" pitchFamily="34" charset="-128"/>
+              </a:rPr>
+              <a:t> </a:t>
+            </a:r>
+            <a:r>
+              <a:rPr lang="it-IT" dirty="0" err="1">
+                <a:latin typeface="Yu Gothic UI" panose="020B0500000000000000" pitchFamily="34" charset="-128"/>
+                <a:ea typeface="Yu Gothic UI" panose="020B0500000000000000" pitchFamily="34" charset="-128"/>
+              </a:rPr>
+              <a:t>only</a:t>
+            </a:r>
+            <a:r>
+              <a:rPr lang="it-IT" dirty="0">
+                <a:latin typeface="Yu Gothic UI" panose="020B0500000000000000" pitchFamily="34" charset="-128"/>
+                <a:ea typeface="Yu Gothic UI" panose="020B0500000000000000" pitchFamily="34" charset="-128"/>
+              </a:rPr>
+              <a:t> </a:t>
+            </a:r>
+            <a:r>
+              <a:rPr lang="it-IT" dirty="0" err="1">
+                <a:latin typeface="Yu Gothic UI" panose="020B0500000000000000" pitchFamily="34" charset="-128"/>
+                <a:ea typeface="Yu Gothic UI" panose="020B0500000000000000" pitchFamily="34" charset="-128"/>
+              </a:rPr>
+              <a:t>two</a:t>
+            </a:r>
+            <a:r>
+              <a:rPr lang="it-IT" dirty="0">
+                <a:latin typeface="Yu Gothic UI" panose="020B0500000000000000" pitchFamily="34" charset="-128"/>
+                <a:ea typeface="Yu Gothic UI" panose="020B0500000000000000" pitchFamily="34" charset="-128"/>
+              </a:rPr>
+              <a:t> features.</a:t>
+            </a:r>
+          </a:p>
+          <a:p>
+            <a:r>
+              <a:rPr lang="it-IT" dirty="0">
+                <a:latin typeface="Yu Gothic UI" panose="020B0500000000000000" pitchFamily="34" charset="-128"/>
+                <a:ea typeface="Yu Gothic UI" panose="020B0500000000000000" pitchFamily="34" charset="-128"/>
+              </a:rPr>
+              <a:t>In </a:t>
+            </a:r>
+            <a:r>
+              <a:rPr lang="it-IT" dirty="0" err="1">
+                <a:latin typeface="Yu Gothic UI" panose="020B0500000000000000" pitchFamily="34" charset="-128"/>
+                <a:ea typeface="Yu Gothic UI" panose="020B0500000000000000" pitchFamily="34" charset="-128"/>
+              </a:rPr>
+              <a:t>such</a:t>
+            </a:r>
+            <a:r>
+              <a:rPr lang="it-IT" dirty="0">
+                <a:latin typeface="Yu Gothic UI" panose="020B0500000000000000" pitchFamily="34" charset="-128"/>
+                <a:ea typeface="Yu Gothic UI" panose="020B0500000000000000" pitchFamily="34" charset="-128"/>
+              </a:rPr>
+              <a:t> way, </a:t>
+            </a:r>
+            <a:r>
+              <a:rPr lang="it-IT" dirty="0" err="1">
+                <a:latin typeface="Yu Gothic UI" panose="020B0500000000000000" pitchFamily="34" charset="-128"/>
+                <a:ea typeface="Yu Gothic UI" panose="020B0500000000000000" pitchFamily="34" charset="-128"/>
+              </a:rPr>
+              <a:t>we</a:t>
+            </a:r>
+            <a:r>
+              <a:rPr lang="it-IT" dirty="0">
+                <a:latin typeface="Yu Gothic UI" panose="020B0500000000000000" pitchFamily="34" charset="-128"/>
+                <a:ea typeface="Yu Gothic UI" panose="020B0500000000000000" pitchFamily="34" charset="-128"/>
+              </a:rPr>
+              <a:t> </a:t>
+            </a:r>
+            <a:r>
+              <a:rPr lang="it-IT" dirty="0" err="1">
+                <a:latin typeface="Yu Gothic UI" panose="020B0500000000000000" pitchFamily="34" charset="-128"/>
+                <a:ea typeface="Yu Gothic UI" panose="020B0500000000000000" pitchFamily="34" charset="-128"/>
+              </a:rPr>
+              <a:t>were</a:t>
+            </a:r>
+            <a:r>
+              <a:rPr lang="it-IT" dirty="0">
+                <a:latin typeface="Yu Gothic UI" panose="020B0500000000000000" pitchFamily="34" charset="-128"/>
+                <a:ea typeface="Yu Gothic UI" panose="020B0500000000000000" pitchFamily="34" charset="-128"/>
+              </a:rPr>
+              <a:t> </a:t>
+            </a:r>
+            <a:r>
+              <a:rPr lang="it-IT" dirty="0" err="1">
+                <a:latin typeface="Yu Gothic UI" panose="020B0500000000000000" pitchFamily="34" charset="-128"/>
+                <a:ea typeface="Yu Gothic UI" panose="020B0500000000000000" pitchFamily="34" charset="-128"/>
+              </a:rPr>
+              <a:t>able</a:t>
+            </a:r>
+            <a:r>
+              <a:rPr lang="it-IT" dirty="0">
+                <a:latin typeface="Yu Gothic UI" panose="020B0500000000000000" pitchFamily="34" charset="-128"/>
+                <a:ea typeface="Yu Gothic UI" panose="020B0500000000000000" pitchFamily="34" charset="-128"/>
+              </a:rPr>
+              <a:t> to estimate the </a:t>
+            </a:r>
+            <a:r>
+              <a:rPr lang="it-IT" dirty="0" err="1">
+                <a:latin typeface="Yu Gothic UI" panose="020B0500000000000000" pitchFamily="34" charset="-128"/>
+                <a:ea typeface="Yu Gothic UI" panose="020B0500000000000000" pitchFamily="34" charset="-128"/>
+              </a:rPr>
+              <a:t>real</a:t>
+            </a:r>
+            <a:r>
+              <a:rPr lang="it-IT" dirty="0">
+                <a:latin typeface="Yu Gothic UI" panose="020B0500000000000000" pitchFamily="34" charset="-128"/>
+                <a:ea typeface="Yu Gothic UI" panose="020B0500000000000000" pitchFamily="34" charset="-128"/>
+              </a:rPr>
+              <a:t> dataset </a:t>
+            </a:r>
+            <a:r>
+              <a:rPr lang="it-IT" dirty="0" err="1">
+                <a:latin typeface="Yu Gothic UI" panose="020B0500000000000000" pitchFamily="34" charset="-128"/>
+                <a:ea typeface="Yu Gothic UI" panose="020B0500000000000000" pitchFamily="34" charset="-128"/>
+              </a:rPr>
+              <a:t>distribution</a:t>
+            </a:r>
+            <a:endParaRPr lang="it-IT" dirty="0">
+              <a:latin typeface="Yu Gothic UI" panose="020B0500000000000000" pitchFamily="34" charset="-128"/>
+              <a:ea typeface="Yu Gothic UI" panose="020B0500000000000000" pitchFamily="34" charset="-128"/>
+            </a:endParaRPr>
+          </a:p>
+          <a:p>
+            <a:r>
+              <a:rPr lang="it-IT" dirty="0" err="1">
+                <a:latin typeface="Yu Gothic UI" panose="020B0500000000000000" pitchFamily="34" charset="-128"/>
+                <a:ea typeface="Yu Gothic UI" panose="020B0500000000000000" pitchFamily="34" charset="-128"/>
+              </a:rPr>
+              <a:t>Get</a:t>
+            </a:r>
+            <a:r>
+              <a:rPr lang="it-IT" dirty="0">
+                <a:latin typeface="Yu Gothic UI" panose="020B0500000000000000" pitchFamily="34" charset="-128"/>
+                <a:ea typeface="Yu Gothic UI" panose="020B0500000000000000" pitchFamily="34" charset="-128"/>
+              </a:rPr>
+              <a:t> in an </a:t>
+            </a:r>
+            <a:r>
+              <a:rPr lang="it-IT" dirty="0" err="1">
+                <a:latin typeface="Yu Gothic UI" panose="020B0500000000000000" pitchFamily="34" charset="-128"/>
+                <a:ea typeface="Yu Gothic UI" panose="020B0500000000000000" pitchFamily="34" charset="-128"/>
+              </a:rPr>
+              <a:t>approximated</a:t>
+            </a:r>
+            <a:r>
+              <a:rPr lang="it-IT" dirty="0">
+                <a:latin typeface="Yu Gothic UI" panose="020B0500000000000000" pitchFamily="34" charset="-128"/>
+                <a:ea typeface="Yu Gothic UI" panose="020B0500000000000000" pitchFamily="34" charset="-128"/>
+              </a:rPr>
+              <a:t> way if the features and </a:t>
+            </a:r>
+            <a:r>
+              <a:rPr lang="it-IT" dirty="0" err="1">
+                <a:latin typeface="Yu Gothic UI" panose="020B0500000000000000" pitchFamily="34" charset="-128"/>
+                <a:ea typeface="Yu Gothic UI" panose="020B0500000000000000" pitchFamily="34" charset="-128"/>
+              </a:rPr>
+              <a:t>independent</a:t>
+            </a:r>
+            <a:r>
+              <a:rPr lang="it-IT" dirty="0">
+                <a:latin typeface="Yu Gothic UI" panose="020B0500000000000000" pitchFamily="34" charset="-128"/>
+                <a:ea typeface="Yu Gothic UI" panose="020B0500000000000000" pitchFamily="34" charset="-128"/>
+              </a:rPr>
+              <a:t> or </a:t>
+            </a:r>
+            <a:r>
+              <a:rPr lang="it-IT" dirty="0" err="1">
+                <a:latin typeface="Yu Gothic UI" panose="020B0500000000000000" pitchFamily="34" charset="-128"/>
+                <a:ea typeface="Yu Gothic UI" panose="020B0500000000000000" pitchFamily="34" charset="-128"/>
+              </a:rPr>
+              <a:t>not</a:t>
+            </a:r>
+            <a:endParaRPr lang="it-IT" dirty="0">
+              <a:latin typeface="Yu Gothic UI" panose="020B0500000000000000" pitchFamily="34" charset="-128"/>
+              <a:ea typeface="Yu Gothic UI" panose="020B0500000000000000" pitchFamily="34" charset="-128"/>
+            </a:endParaRPr>
+          </a:p>
+          <a:p>
+            <a:r>
+              <a:rPr lang="it-IT" dirty="0">
+                <a:latin typeface="Yu Gothic UI" panose="020B0500000000000000" pitchFamily="34" charset="-128"/>
+                <a:ea typeface="Yu Gothic UI" panose="020B0500000000000000" pitchFamily="34" charset="-128"/>
+              </a:rPr>
+              <a:t>The TOP </a:t>
+            </a:r>
+            <a:r>
+              <a:rPr lang="it-IT" dirty="0" err="1">
+                <a:latin typeface="Yu Gothic UI" panose="020B0500000000000000" pitchFamily="34" charset="-128"/>
+                <a:ea typeface="Yu Gothic UI" panose="020B0500000000000000" pitchFamily="34" charset="-128"/>
+              </a:rPr>
+              <a:t>graph</a:t>
+            </a:r>
+            <a:r>
+              <a:rPr lang="it-IT" dirty="0">
+                <a:latin typeface="Yu Gothic UI" panose="020B0500000000000000" pitchFamily="34" charset="-128"/>
+                <a:ea typeface="Yu Gothic UI" panose="020B0500000000000000" pitchFamily="34" charset="-128"/>
+              </a:rPr>
+              <a:t> </a:t>
+            </a:r>
+            <a:r>
+              <a:rPr lang="it-IT" dirty="0" err="1">
+                <a:latin typeface="Yu Gothic UI" panose="020B0500000000000000" pitchFamily="34" charset="-128"/>
+                <a:ea typeface="Yu Gothic UI" panose="020B0500000000000000" pitchFamily="34" charset="-128"/>
+              </a:rPr>
+              <a:t>is</a:t>
+            </a:r>
+            <a:r>
+              <a:rPr lang="it-IT" dirty="0">
+                <a:latin typeface="Yu Gothic UI" panose="020B0500000000000000" pitchFamily="34" charset="-128"/>
+                <a:ea typeface="Yu Gothic UI" panose="020B0500000000000000" pitchFamily="34" charset="-128"/>
+              </a:rPr>
+              <a:t> </a:t>
+            </a:r>
+            <a:r>
+              <a:rPr lang="it-IT" dirty="0" err="1">
+                <a:latin typeface="Yu Gothic UI" panose="020B0500000000000000" pitchFamily="34" charset="-128"/>
+                <a:ea typeface="Yu Gothic UI" panose="020B0500000000000000" pitchFamily="34" charset="-128"/>
+              </a:rPr>
+              <a:t>obtained</a:t>
+            </a:r>
+            <a:r>
+              <a:rPr lang="it-IT" dirty="0">
+                <a:latin typeface="Yu Gothic UI" panose="020B0500000000000000" pitchFamily="34" charset="-128"/>
+                <a:ea typeface="Yu Gothic UI" panose="020B0500000000000000" pitchFamily="34" charset="-128"/>
+              </a:rPr>
+              <a:t> from the </a:t>
+            </a:r>
+            <a:r>
+              <a:rPr lang="it-IT" dirty="0" err="1">
+                <a:latin typeface="Yu Gothic UI" panose="020B0500000000000000" pitchFamily="34" charset="-128"/>
+                <a:ea typeface="Yu Gothic UI" panose="020B0500000000000000" pitchFamily="34" charset="-128"/>
+              </a:rPr>
+              <a:t>real</a:t>
+            </a:r>
+            <a:r>
+              <a:rPr lang="it-IT" dirty="0">
+                <a:latin typeface="Yu Gothic UI" panose="020B0500000000000000" pitchFamily="34" charset="-128"/>
+                <a:ea typeface="Yu Gothic UI" panose="020B0500000000000000" pitchFamily="34" charset="-128"/>
+              </a:rPr>
+              <a:t> data</a:t>
+            </a:r>
+          </a:p>
+          <a:p>
+            <a:r>
+              <a:rPr lang="it-IT" dirty="0">
+                <a:latin typeface="Yu Gothic UI" panose="020B0500000000000000" pitchFamily="34" charset="-128"/>
+                <a:ea typeface="Yu Gothic UI" panose="020B0500000000000000" pitchFamily="34" charset="-128"/>
+              </a:rPr>
+              <a:t>The BOTTOM </a:t>
+            </a:r>
+            <a:r>
+              <a:rPr lang="it-IT" dirty="0" err="1">
+                <a:latin typeface="Yu Gothic UI" panose="020B0500000000000000" pitchFamily="34" charset="-128"/>
+                <a:ea typeface="Yu Gothic UI" panose="020B0500000000000000" pitchFamily="34" charset="-128"/>
+              </a:rPr>
+              <a:t>graph</a:t>
+            </a:r>
+            <a:r>
+              <a:rPr lang="it-IT" dirty="0">
+                <a:latin typeface="Yu Gothic UI" panose="020B0500000000000000" pitchFamily="34" charset="-128"/>
+                <a:ea typeface="Yu Gothic UI" panose="020B0500000000000000" pitchFamily="34" charset="-128"/>
+              </a:rPr>
+              <a:t> </a:t>
+            </a:r>
+            <a:r>
+              <a:rPr lang="it-IT" dirty="0" err="1">
+                <a:latin typeface="Yu Gothic UI" panose="020B0500000000000000" pitchFamily="34" charset="-128"/>
+                <a:ea typeface="Yu Gothic UI" panose="020B0500000000000000" pitchFamily="34" charset="-128"/>
+              </a:rPr>
+              <a:t>is</a:t>
+            </a:r>
+            <a:r>
+              <a:rPr lang="it-IT" dirty="0">
+                <a:latin typeface="Yu Gothic UI" panose="020B0500000000000000" pitchFamily="34" charset="-128"/>
+                <a:ea typeface="Yu Gothic UI" panose="020B0500000000000000" pitchFamily="34" charset="-128"/>
+              </a:rPr>
+              <a:t> </a:t>
+            </a:r>
+            <a:r>
+              <a:rPr lang="it-IT" dirty="0" err="1">
+                <a:latin typeface="Yu Gothic UI" panose="020B0500000000000000" pitchFamily="34" charset="-128"/>
+                <a:ea typeface="Yu Gothic UI" panose="020B0500000000000000" pitchFamily="34" charset="-128"/>
+              </a:rPr>
+              <a:t>obtained</a:t>
+            </a:r>
+            <a:r>
+              <a:rPr lang="it-IT" dirty="0">
+                <a:latin typeface="Yu Gothic UI" panose="020B0500000000000000" pitchFamily="34" charset="-128"/>
+                <a:ea typeface="Yu Gothic UI" panose="020B0500000000000000" pitchFamily="34" charset="-128"/>
+              </a:rPr>
+              <a:t> from the </a:t>
+            </a:r>
+            <a:r>
+              <a:rPr lang="it-IT" dirty="0" err="1">
+                <a:latin typeface="Yu Gothic UI" panose="020B0500000000000000" pitchFamily="34" charset="-128"/>
+                <a:ea typeface="Yu Gothic UI" panose="020B0500000000000000" pitchFamily="34" charset="-128"/>
+              </a:rPr>
+              <a:t>synthetic</a:t>
+            </a:r>
+            <a:r>
+              <a:rPr lang="it-IT" dirty="0">
+                <a:latin typeface="Yu Gothic UI" panose="020B0500000000000000" pitchFamily="34" charset="-128"/>
+                <a:ea typeface="Yu Gothic UI" panose="020B0500000000000000" pitchFamily="34" charset="-128"/>
+              </a:rPr>
+              <a:t> data, setting the </a:t>
+            </a:r>
+            <a:r>
+              <a:rPr lang="it-IT" dirty="0" err="1">
+                <a:latin typeface="Yu Gothic UI" panose="020B0500000000000000" pitchFamily="34" charset="-128"/>
+                <a:ea typeface="Yu Gothic UI" panose="020B0500000000000000" pitchFamily="34" charset="-128"/>
+              </a:rPr>
+              <a:t>covariances</a:t>
+            </a:r>
+            <a:r>
+              <a:rPr lang="it-IT" dirty="0">
+                <a:latin typeface="Yu Gothic UI" panose="020B0500000000000000" pitchFamily="34" charset="-128"/>
+                <a:ea typeface="Yu Gothic UI" panose="020B0500000000000000" pitchFamily="34" charset="-128"/>
+              </a:rPr>
+              <a:t> </a:t>
+            </a:r>
+            <a:r>
+              <a:rPr lang="it-IT" dirty="0" err="1">
+                <a:latin typeface="Yu Gothic UI" panose="020B0500000000000000" pitchFamily="34" charset="-128"/>
+                <a:ea typeface="Yu Gothic UI" panose="020B0500000000000000" pitchFamily="34" charset="-128"/>
+              </a:rPr>
+              <a:t>both</a:t>
+            </a:r>
+            <a:r>
+              <a:rPr lang="it-IT" dirty="0">
+                <a:latin typeface="Yu Gothic UI" panose="020B0500000000000000" pitchFamily="34" charset="-128"/>
+                <a:ea typeface="Yu Gothic UI" panose="020B0500000000000000" pitchFamily="34" charset="-128"/>
+              </a:rPr>
+              <a:t> to zero</a:t>
+            </a:r>
+          </a:p>
+          <a:p>
+            <a:r>
+              <a:rPr lang="it-IT" dirty="0">
+                <a:latin typeface="Yu Gothic UI" panose="020B0500000000000000" pitchFamily="34" charset="-128"/>
+                <a:ea typeface="Yu Gothic UI" panose="020B0500000000000000" pitchFamily="34" charset="-128"/>
+              </a:rPr>
+              <a:t>If the </a:t>
+            </a:r>
+            <a:r>
+              <a:rPr lang="it-IT" dirty="0" err="1">
+                <a:latin typeface="Yu Gothic UI" panose="020B0500000000000000" pitchFamily="34" charset="-128"/>
+                <a:ea typeface="Yu Gothic UI" panose="020B0500000000000000" pitchFamily="34" charset="-128"/>
+              </a:rPr>
+              <a:t>two</a:t>
+            </a:r>
+            <a:r>
+              <a:rPr lang="it-IT" dirty="0">
+                <a:latin typeface="Yu Gothic UI" panose="020B0500000000000000" pitchFamily="34" charset="-128"/>
+                <a:ea typeface="Yu Gothic UI" panose="020B0500000000000000" pitchFamily="34" charset="-128"/>
+              </a:rPr>
+              <a:t> </a:t>
+            </a:r>
+            <a:r>
+              <a:rPr lang="it-IT" dirty="0" err="1">
+                <a:latin typeface="Yu Gothic UI" panose="020B0500000000000000" pitchFamily="34" charset="-128"/>
+                <a:ea typeface="Yu Gothic UI" panose="020B0500000000000000" pitchFamily="34" charset="-128"/>
+              </a:rPr>
+              <a:t>graphs</a:t>
+            </a:r>
+            <a:r>
+              <a:rPr lang="it-IT" dirty="0">
+                <a:latin typeface="Yu Gothic UI" panose="020B0500000000000000" pitchFamily="34" charset="-128"/>
+                <a:ea typeface="Yu Gothic UI" panose="020B0500000000000000" pitchFamily="34" charset="-128"/>
+              </a:rPr>
+              <a:t> </a:t>
+            </a:r>
+            <a:r>
+              <a:rPr lang="it-IT" dirty="0" err="1">
+                <a:latin typeface="Yu Gothic UI" panose="020B0500000000000000" pitchFamily="34" charset="-128"/>
+                <a:ea typeface="Yu Gothic UI" panose="020B0500000000000000" pitchFamily="34" charset="-128"/>
+              </a:rPr>
+              <a:t>were</a:t>
+            </a:r>
+            <a:r>
+              <a:rPr lang="it-IT" dirty="0">
+                <a:latin typeface="Yu Gothic UI" panose="020B0500000000000000" pitchFamily="34" charset="-128"/>
+                <a:ea typeface="Yu Gothic UI" panose="020B0500000000000000" pitchFamily="34" charset="-128"/>
+              </a:rPr>
+              <a:t> more or </a:t>
+            </a:r>
+            <a:r>
+              <a:rPr lang="it-IT" dirty="0" err="1">
+                <a:latin typeface="Yu Gothic UI" panose="020B0500000000000000" pitchFamily="34" charset="-128"/>
+                <a:ea typeface="Yu Gothic UI" panose="020B0500000000000000" pitchFamily="34" charset="-128"/>
+              </a:rPr>
+              <a:t>less</a:t>
+            </a:r>
+            <a:r>
+              <a:rPr lang="it-IT" dirty="0">
+                <a:latin typeface="Yu Gothic UI" panose="020B0500000000000000" pitchFamily="34" charset="-128"/>
+                <a:ea typeface="Yu Gothic UI" panose="020B0500000000000000" pitchFamily="34" charset="-128"/>
+              </a:rPr>
+              <a:t> </a:t>
+            </a:r>
+            <a:r>
+              <a:rPr lang="it-IT" dirty="0" err="1">
+                <a:latin typeface="Yu Gothic UI" panose="020B0500000000000000" pitchFamily="34" charset="-128"/>
+                <a:ea typeface="Yu Gothic UI" panose="020B0500000000000000" pitchFamily="34" charset="-128"/>
+              </a:rPr>
+              <a:t>equal</a:t>
+            </a:r>
+            <a:r>
+              <a:rPr lang="it-IT" dirty="0">
+                <a:latin typeface="Yu Gothic UI" panose="020B0500000000000000" pitchFamily="34" charset="-128"/>
+                <a:ea typeface="Yu Gothic UI" panose="020B0500000000000000" pitchFamily="34" charset="-128"/>
+              </a:rPr>
+              <a:t>, </a:t>
+            </a:r>
+            <a:r>
+              <a:rPr lang="it-IT" dirty="0" err="1">
+                <a:latin typeface="Yu Gothic UI" panose="020B0500000000000000" pitchFamily="34" charset="-128"/>
+                <a:ea typeface="Yu Gothic UI" panose="020B0500000000000000" pitchFamily="34" charset="-128"/>
+              </a:rPr>
+              <a:t>we</a:t>
+            </a:r>
+            <a:r>
+              <a:rPr lang="it-IT" dirty="0">
+                <a:latin typeface="Yu Gothic UI" panose="020B0500000000000000" pitchFamily="34" charset="-128"/>
+                <a:ea typeface="Yu Gothic UI" panose="020B0500000000000000" pitchFamily="34" charset="-128"/>
+              </a:rPr>
+              <a:t> can conclude </a:t>
+            </a:r>
+            <a:r>
+              <a:rPr lang="it-IT" dirty="0" err="1">
+                <a:latin typeface="Yu Gothic UI" panose="020B0500000000000000" pitchFamily="34" charset="-128"/>
+                <a:ea typeface="Yu Gothic UI" panose="020B0500000000000000" pitchFamily="34" charset="-128"/>
+              </a:rPr>
+              <a:t>that</a:t>
+            </a:r>
+            <a:r>
+              <a:rPr lang="it-IT" dirty="0">
+                <a:latin typeface="Yu Gothic UI" panose="020B0500000000000000" pitchFamily="34" charset="-128"/>
+                <a:ea typeface="Yu Gothic UI" panose="020B0500000000000000" pitchFamily="34" charset="-128"/>
+              </a:rPr>
+              <a:t> the </a:t>
+            </a:r>
+            <a:r>
+              <a:rPr lang="it-IT" dirty="0" err="1">
+                <a:latin typeface="Yu Gothic UI" panose="020B0500000000000000" pitchFamily="34" charset="-128"/>
+                <a:ea typeface="Yu Gothic UI" panose="020B0500000000000000" pitchFamily="34" charset="-128"/>
+              </a:rPr>
+              <a:t>real</a:t>
+            </a:r>
+            <a:r>
+              <a:rPr lang="it-IT" dirty="0">
+                <a:latin typeface="Yu Gothic UI" panose="020B0500000000000000" pitchFamily="34" charset="-128"/>
+                <a:ea typeface="Yu Gothic UI" panose="020B0500000000000000" pitchFamily="34" charset="-128"/>
+              </a:rPr>
+              <a:t> </a:t>
+            </a:r>
+            <a:r>
+              <a:rPr lang="it-IT" dirty="0" err="1">
+                <a:latin typeface="Yu Gothic UI" panose="020B0500000000000000" pitchFamily="34" charset="-128"/>
+                <a:ea typeface="Yu Gothic UI" panose="020B0500000000000000" pitchFamily="34" charset="-128"/>
+              </a:rPr>
+              <a:t>covariance</a:t>
+            </a:r>
+            <a:r>
+              <a:rPr lang="it-IT" dirty="0">
+                <a:latin typeface="Yu Gothic UI" panose="020B0500000000000000" pitchFamily="34" charset="-128"/>
+                <a:ea typeface="Yu Gothic UI" panose="020B0500000000000000" pitchFamily="34" charset="-128"/>
+              </a:rPr>
+              <a:t> </a:t>
+            </a:r>
+            <a:r>
+              <a:rPr lang="it-IT" dirty="0" err="1">
+                <a:latin typeface="Yu Gothic UI" panose="020B0500000000000000" pitchFamily="34" charset="-128"/>
+                <a:ea typeface="Yu Gothic UI" panose="020B0500000000000000" pitchFamily="34" charset="-128"/>
+              </a:rPr>
+              <a:t>among</a:t>
+            </a:r>
+            <a:r>
+              <a:rPr lang="it-IT" dirty="0">
+                <a:latin typeface="Yu Gothic UI" panose="020B0500000000000000" pitchFamily="34" charset="-128"/>
+                <a:ea typeface="Yu Gothic UI" panose="020B0500000000000000" pitchFamily="34" charset="-128"/>
+              </a:rPr>
+              <a:t> </a:t>
+            </a:r>
+            <a:r>
+              <a:rPr lang="it-IT" dirty="0" err="1">
+                <a:latin typeface="Yu Gothic UI" panose="020B0500000000000000" pitchFamily="34" charset="-128"/>
+                <a:ea typeface="Yu Gothic UI" panose="020B0500000000000000" pitchFamily="34" charset="-128"/>
+              </a:rPr>
+              <a:t>those</a:t>
+            </a:r>
+            <a:r>
+              <a:rPr lang="it-IT" dirty="0">
+                <a:latin typeface="Yu Gothic UI" panose="020B0500000000000000" pitchFamily="34" charset="-128"/>
+                <a:ea typeface="Yu Gothic UI" panose="020B0500000000000000" pitchFamily="34" charset="-128"/>
+              </a:rPr>
+              <a:t> </a:t>
+            </a:r>
+            <a:r>
+              <a:rPr lang="it-IT" dirty="0" err="1">
+                <a:latin typeface="Yu Gothic UI" panose="020B0500000000000000" pitchFamily="34" charset="-128"/>
+                <a:ea typeface="Yu Gothic UI" panose="020B0500000000000000" pitchFamily="34" charset="-128"/>
+              </a:rPr>
+              <a:t>two</a:t>
+            </a:r>
+            <a:r>
+              <a:rPr lang="it-IT" dirty="0">
+                <a:latin typeface="Yu Gothic UI" panose="020B0500000000000000" pitchFamily="34" charset="-128"/>
+                <a:ea typeface="Yu Gothic UI" panose="020B0500000000000000" pitchFamily="34" charset="-128"/>
+              </a:rPr>
+              <a:t> features </a:t>
+            </a:r>
+            <a:r>
+              <a:rPr lang="it-IT" dirty="0" err="1">
+                <a:latin typeface="Yu Gothic UI" panose="020B0500000000000000" pitchFamily="34" charset="-128"/>
+                <a:ea typeface="Yu Gothic UI" panose="020B0500000000000000" pitchFamily="34" charset="-128"/>
+              </a:rPr>
+              <a:t>is</a:t>
+            </a:r>
+            <a:r>
+              <a:rPr lang="it-IT" dirty="0">
+                <a:latin typeface="Yu Gothic UI" panose="020B0500000000000000" pitchFamily="34" charset="-128"/>
+                <a:ea typeface="Yu Gothic UI" panose="020B0500000000000000" pitchFamily="34" charset="-128"/>
+              </a:rPr>
+              <a:t> </a:t>
+            </a:r>
+            <a:r>
+              <a:rPr lang="it-IT" dirty="0" err="1">
+                <a:latin typeface="Yu Gothic UI" panose="020B0500000000000000" pitchFamily="34" charset="-128"/>
+                <a:ea typeface="Yu Gothic UI" panose="020B0500000000000000" pitchFamily="34" charset="-128"/>
+              </a:rPr>
+              <a:t>also</a:t>
+            </a:r>
+            <a:r>
+              <a:rPr lang="it-IT" dirty="0">
+                <a:latin typeface="Yu Gothic UI" panose="020B0500000000000000" pitchFamily="34" charset="-128"/>
+                <a:ea typeface="Yu Gothic UI" panose="020B0500000000000000" pitchFamily="34" charset="-128"/>
+              </a:rPr>
+              <a:t> </a:t>
+            </a:r>
+            <a:r>
+              <a:rPr lang="it-IT" dirty="0" err="1">
+                <a:latin typeface="Yu Gothic UI" panose="020B0500000000000000" pitchFamily="34" charset="-128"/>
+                <a:ea typeface="Yu Gothic UI" panose="020B0500000000000000" pitchFamily="34" charset="-128"/>
+              </a:rPr>
+              <a:t>around</a:t>
+            </a:r>
+            <a:r>
+              <a:rPr lang="it-IT" dirty="0">
+                <a:latin typeface="Yu Gothic UI" panose="020B0500000000000000" pitchFamily="34" charset="-128"/>
+                <a:ea typeface="Yu Gothic UI" panose="020B0500000000000000" pitchFamily="34" charset="-128"/>
+              </a:rPr>
+              <a:t> zero, and so </a:t>
+            </a:r>
+            <a:r>
+              <a:rPr lang="it-IT" dirty="0" err="1">
+                <a:latin typeface="Yu Gothic UI" panose="020B0500000000000000" pitchFamily="34" charset="-128"/>
+                <a:ea typeface="Yu Gothic UI" panose="020B0500000000000000" pitchFamily="34" charset="-128"/>
+              </a:rPr>
+              <a:t>they</a:t>
+            </a:r>
+            <a:r>
+              <a:rPr lang="it-IT" dirty="0">
+                <a:latin typeface="Yu Gothic UI" panose="020B0500000000000000" pitchFamily="34" charset="-128"/>
+                <a:ea typeface="Yu Gothic UI" panose="020B0500000000000000" pitchFamily="34" charset="-128"/>
+              </a:rPr>
+              <a:t> are </a:t>
+            </a:r>
+            <a:r>
+              <a:rPr lang="it-IT" dirty="0" err="1">
+                <a:latin typeface="Yu Gothic UI" panose="020B0500000000000000" pitchFamily="34" charset="-128"/>
+                <a:ea typeface="Yu Gothic UI" panose="020B0500000000000000" pitchFamily="34" charset="-128"/>
+              </a:rPr>
+              <a:t>almost</a:t>
+            </a:r>
+            <a:r>
+              <a:rPr lang="it-IT" dirty="0">
+                <a:latin typeface="Yu Gothic UI" panose="020B0500000000000000" pitchFamily="34" charset="-128"/>
+                <a:ea typeface="Yu Gothic UI" panose="020B0500000000000000" pitchFamily="34" charset="-128"/>
+              </a:rPr>
+              <a:t> </a:t>
+            </a:r>
+            <a:r>
+              <a:rPr lang="it-IT" dirty="0" err="1">
+                <a:latin typeface="Yu Gothic UI" panose="020B0500000000000000" pitchFamily="34" charset="-128"/>
+                <a:ea typeface="Yu Gothic UI" panose="020B0500000000000000" pitchFamily="34" charset="-128"/>
+              </a:rPr>
+              <a:t>independent</a:t>
+            </a:r>
+            <a:r>
+              <a:rPr lang="it-IT" dirty="0">
+                <a:latin typeface="Yu Gothic UI" panose="020B0500000000000000" pitchFamily="34" charset="-128"/>
+                <a:ea typeface="Yu Gothic UI" panose="020B0500000000000000" pitchFamily="34" charset="-128"/>
+              </a:rPr>
+              <a:t>.</a:t>
             </a:r>
             <a:endParaRPr lang="en-US" sz="2800" dirty="0">
               <a:latin typeface="Yu Gothic UI" panose="020B0500000000000000" pitchFamily="34" charset="-128"/>
@@ -17134,7 +17843,7 @@
         <p:spPr>
           <a:xfrm>
             <a:off x="685801" y="1498600"/>
-            <a:ext cx="10131425" cy="1286933"/>
+            <a:ext cx="6629399" cy="1286933"/>
           </a:xfrm>
         </p:spPr>
         <p:txBody>
@@ -17174,7 +17883,7 @@
         </p:nvSpPr>
         <p:spPr>
           <a:xfrm>
-            <a:off x="6952974" y="2954867"/>
+            <a:off x="4900240" y="5359400"/>
             <a:ext cx="3593431" cy="1200329"/>
           </a:xfrm>
           <a:prstGeom prst="rect">
@@ -17200,10 +17909,10 @@
       </p:sp>
       <p:pic>
         <p:nvPicPr>
-          <p:cNvPr id="5" name="Immagine 4">
+          <p:cNvPr id="6" name="Immagine 5">
             <a:extLst>
               <a:ext uri="{FF2B5EF4-FFF2-40B4-BE49-F238E27FC236}">
-                <a16:creationId xmlns:a16="http://schemas.microsoft.com/office/drawing/2014/main" id="{AFF7A83A-736B-457D-AF36-22ABFC2273F5}"/>
+                <a16:creationId xmlns:a16="http://schemas.microsoft.com/office/drawing/2014/main" id="{6D6D627A-4418-4320-A210-E70BB0AB84FE}"/>
               </a:ext>
             </a:extLst>
           </p:cNvPr>
@@ -17220,8 +17929,8 @@
         </p:blipFill>
         <p:spPr>
           <a:xfrm>
-            <a:off x="3368842" y="2785533"/>
-            <a:ext cx="3313311" cy="3791919"/>
+            <a:off x="8705952" y="163824"/>
+            <a:ext cx="3313311" cy="6530351"/>
           </a:xfrm>
           <a:prstGeom prst="rect">
             <a:avLst/>
